--- a/Outputs/Figure 2 thermoresistant vs thermosensitive.pptx
+++ b/Outputs/Figure 2 thermoresistant vs thermosensitive.pptx
@@ -304,7 +304,7 @@
           <a:p>
             <a:fld id="{EA292604-F11B-4C4D-9FD7-9191CB216B3A}" type="datetimeFigureOut">
               <a:rPr lang="nl-NL" smtClean="0"/>
-              <a:t>14-06-2024</a:t>
+              <a:t>20-6-2024</a:t>
             </a:fld>
             <a:endParaRPr lang="nl-NL"/>
           </a:p>
@@ -474,7 +474,7 @@
           <a:p>
             <a:fld id="{EA292604-F11B-4C4D-9FD7-9191CB216B3A}" type="datetimeFigureOut">
               <a:rPr lang="nl-NL" smtClean="0"/>
-              <a:t>14-06-2024</a:t>
+              <a:t>20-6-2024</a:t>
             </a:fld>
             <a:endParaRPr lang="nl-NL"/>
           </a:p>
@@ -654,7 +654,7 @@
           <a:p>
             <a:fld id="{EA292604-F11B-4C4D-9FD7-9191CB216B3A}" type="datetimeFigureOut">
               <a:rPr lang="nl-NL" smtClean="0"/>
-              <a:t>14-06-2024</a:t>
+              <a:t>20-6-2024</a:t>
             </a:fld>
             <a:endParaRPr lang="nl-NL"/>
           </a:p>
@@ -824,7 +824,7 @@
           <a:p>
             <a:fld id="{EA292604-F11B-4C4D-9FD7-9191CB216B3A}" type="datetimeFigureOut">
               <a:rPr lang="nl-NL" smtClean="0"/>
-              <a:t>14-06-2024</a:t>
+              <a:t>20-6-2024</a:t>
             </a:fld>
             <a:endParaRPr lang="nl-NL"/>
           </a:p>
@@ -1070,7 +1070,7 @@
           <a:p>
             <a:fld id="{EA292604-F11B-4C4D-9FD7-9191CB216B3A}" type="datetimeFigureOut">
               <a:rPr lang="nl-NL" smtClean="0"/>
-              <a:t>14-06-2024</a:t>
+              <a:t>20-6-2024</a:t>
             </a:fld>
             <a:endParaRPr lang="nl-NL"/>
           </a:p>
@@ -1358,7 +1358,7 @@
           <a:p>
             <a:fld id="{EA292604-F11B-4C4D-9FD7-9191CB216B3A}" type="datetimeFigureOut">
               <a:rPr lang="nl-NL" smtClean="0"/>
-              <a:t>14-06-2024</a:t>
+              <a:t>20-6-2024</a:t>
             </a:fld>
             <a:endParaRPr lang="nl-NL"/>
           </a:p>
@@ -1780,7 +1780,7 @@
           <a:p>
             <a:fld id="{EA292604-F11B-4C4D-9FD7-9191CB216B3A}" type="datetimeFigureOut">
               <a:rPr lang="nl-NL" smtClean="0"/>
-              <a:t>14-06-2024</a:t>
+              <a:t>20-6-2024</a:t>
             </a:fld>
             <a:endParaRPr lang="nl-NL"/>
           </a:p>
@@ -1898,7 +1898,7 @@
           <a:p>
             <a:fld id="{EA292604-F11B-4C4D-9FD7-9191CB216B3A}" type="datetimeFigureOut">
               <a:rPr lang="nl-NL" smtClean="0"/>
-              <a:t>14-06-2024</a:t>
+              <a:t>20-6-2024</a:t>
             </a:fld>
             <a:endParaRPr lang="nl-NL"/>
           </a:p>
@@ -1993,7 +1993,7 @@
           <a:p>
             <a:fld id="{EA292604-F11B-4C4D-9FD7-9191CB216B3A}" type="datetimeFigureOut">
               <a:rPr lang="nl-NL" smtClean="0"/>
-              <a:t>14-06-2024</a:t>
+              <a:t>20-6-2024</a:t>
             </a:fld>
             <a:endParaRPr lang="nl-NL"/>
           </a:p>
@@ -2270,7 +2270,7 @@
           <a:p>
             <a:fld id="{EA292604-F11B-4C4D-9FD7-9191CB216B3A}" type="datetimeFigureOut">
               <a:rPr lang="nl-NL" smtClean="0"/>
-              <a:t>14-06-2024</a:t>
+              <a:t>20-6-2024</a:t>
             </a:fld>
             <a:endParaRPr lang="nl-NL"/>
           </a:p>
@@ -2523,7 +2523,7 @@
           <a:p>
             <a:fld id="{EA292604-F11B-4C4D-9FD7-9191CB216B3A}" type="datetimeFigureOut">
               <a:rPr lang="nl-NL" smtClean="0"/>
-              <a:t>14-06-2024</a:t>
+              <a:t>20-6-2024</a:t>
             </a:fld>
             <a:endParaRPr lang="nl-NL"/>
           </a:p>
@@ -2736,7 +2736,7 @@
           <a:p>
             <a:fld id="{EA292604-F11B-4C4D-9FD7-9191CB216B3A}" type="datetimeFigureOut">
               <a:rPr lang="nl-NL" smtClean="0"/>
-              <a:t>14-06-2024</a:t>
+              <a:t>20-6-2024</a:t>
             </a:fld>
             <a:endParaRPr lang="nl-NL"/>
           </a:p>
@@ -3800,8 +3800,8 @@
           </a:p>
         </p:txBody>
       </p:sp>
-      <mc:AlternateContent xmlns:mc="http://schemas.openxmlformats.org/markup-compatibility/2006">
-        <mc:Choice xmlns:a14="http://schemas.microsoft.com/office/drawing/2010/main" Requires="a14">
+      <mc:AlternateContent xmlns:mc="http://schemas.openxmlformats.org/markup-compatibility/2006" xmlns:a14="http://schemas.microsoft.com/office/drawing/2010/main">
+        <mc:Choice Requires="a14">
           <p:sp>
             <p:nvSpPr>
               <p:cNvPr id="10" name="TextBox 9">
@@ -3912,7 +3912,7 @@
             </p:txBody>
           </p:sp>
         </mc:Choice>
-        <mc:Fallback>
+        <mc:Fallback xmlns="">
           <p:sp>
             <p:nvSpPr>
               <p:cNvPr id="10" name="TextBox 9">
@@ -3974,7 +3974,7 @@
             <p:spPr>
               <a:xfrm>
                 <a:off x="2942433" y="688410"/>
-                <a:ext cx="3545780" cy="610936"/>
+                <a:ext cx="3678236" cy="610936"/>
               </a:xfrm>
               <a:prstGeom prst="rect">
                 <a:avLst/>
@@ -4104,6 +4104,13 @@
                           <a:latin typeface="Cambria Math" panose="02040503050406030204" pitchFamily="18" charset="0"/>
                           <a:ea typeface="Cambria Math" panose="02040503050406030204" pitchFamily="18" charset="0"/>
                         </a:rPr>
+                        <m:t>𝑇</m:t>
+                      </m:r>
+                      <m:r>
+                        <a:rPr lang="en-US" b="0" i="1" smtClean="0">
+                          <a:latin typeface="Cambria Math" panose="02040503050406030204" pitchFamily="18" charset="0"/>
+                          <a:ea typeface="Cambria Math" panose="02040503050406030204" pitchFamily="18" charset="0"/>
+                        </a:rPr>
                         <m:t>= </m:t>
                       </m:r>
                       <m:f>
@@ -4219,7 +4226,7 @@
             <p:spPr>
               <a:xfrm>
                 <a:off x="2942433" y="688410"/>
-                <a:ext cx="3545780" cy="610936"/>
+                <a:ext cx="3678236" cy="610936"/>
               </a:xfrm>
               <a:prstGeom prst="rect">
                 <a:avLst/>
@@ -4227,7 +4234,7 @@
               <a:blipFill>
                 <a:blip r:embed="rId3"/>
                 <a:stretch>
-                  <a:fillRect l="-357"/>
+                  <a:fillRect/>
                 </a:stretch>
               </a:blipFill>
             </p:spPr>
@@ -4236,7 +4243,7 @@
               <a:lstStyle/>
               <a:p>
                 <a:r>
-                  <a:rPr lang="en-US">
+                  <a:rPr lang="en-NL">
                     <a:noFill/>
                   </a:rPr>
                   <a:t> </a:t>

--- a/Outputs/Figure 2 thermoresistant vs thermosensitive.pptx
+++ b/Outputs/Figure 2 thermoresistant vs thermosensitive.pptx
@@ -3974,7 +3974,7 @@
             <p:spPr>
               <a:xfrm>
                 <a:off x="2942433" y="688410"/>
-                <a:ext cx="3678236" cy="610936"/>
+                <a:ext cx="3678236" cy="634789"/>
               </a:xfrm>
               <a:prstGeom prst="rect">
                 <a:avLst/>
@@ -4122,31 +4122,54 @@
                           </m:ctrlPr>
                         </m:fPr>
                         <m:num>
-                          <m:sSub>
-                            <m:sSubPr>
+                          <m:d>
+                            <m:dPr>
                               <m:ctrlPr>
                                 <a:rPr lang="en-NL" i="1" smtClean="0">
                                   <a:latin typeface="Cambria Math" panose="02040503050406030204" pitchFamily="18" charset="0"/>
                                 </a:rPr>
                               </m:ctrlPr>
-                            </m:sSubPr>
+                            </m:dPr>
                             <m:e>
+                              <m:sSub>
+                                <m:sSubPr>
+                                  <m:ctrlPr>
+                                    <a:rPr lang="en-NL" i="1">
+                                      <a:latin typeface="Cambria Math" panose="02040503050406030204" pitchFamily="18" charset="0"/>
+                                    </a:rPr>
+                                  </m:ctrlPr>
+                                </m:sSubPr>
+                                <m:e>
+                                  <m:r>
+                                    <a:rPr lang="en-US" i="1">
+                                      <a:latin typeface="Cambria Math" panose="02040503050406030204" pitchFamily="18" charset="0"/>
+                                    </a:rPr>
+                                    <m:t>𝐶𝑇</m:t>
+                                  </m:r>
+                                </m:e>
+                                <m:sub>
+                                  <m:r>
+                                    <a:rPr lang="en-US" i="1">
+                                      <a:latin typeface="Cambria Math" panose="02040503050406030204" pitchFamily="18" charset="0"/>
+                                    </a:rPr>
+                                    <m:t>𝑚𝑎𝑥</m:t>
+                                  </m:r>
+                                </m:sub>
+                              </m:sSub>
                               <m:r>
-                                <a:rPr lang="en-US" b="0" i="1" smtClean="0">
+                                <a:rPr lang="en-US" i="1">
                                   <a:latin typeface="Cambria Math" panose="02040503050406030204" pitchFamily="18" charset="0"/>
                                 </a:rPr>
-                                <m:t>𝐶𝑇</m:t>
+                                <m:t>−</m:t>
+                              </m:r>
+                              <m:r>
+                                <a:rPr lang="en-US" i="1">
+                                  <a:latin typeface="Cambria Math" panose="02040503050406030204" pitchFamily="18" charset="0"/>
+                                </a:rPr>
+                                <m:t>𝑇</m:t>
                               </m:r>
                             </m:e>
-                            <m:sub>
-                              <m:r>
-                                <a:rPr lang="en-US" b="0" i="1" smtClean="0">
-                                  <a:latin typeface="Cambria Math" panose="02040503050406030204" pitchFamily="18" charset="0"/>
-                                </a:rPr>
-                                <m:t>𝑚𝑎𝑥</m:t>
-                              </m:r>
-                            </m:sub>
-                          </m:sSub>
+                          </m:d>
                         </m:num>
                         <m:den>
                           <m:r>
@@ -4157,49 +4180,6 @@
                           </m:r>
                         </m:den>
                       </m:f>
-                      <m:r>
-                        <a:rPr lang="en-US" b="0" i="0" smtClean="0">
-                          <a:latin typeface="Cambria Math" panose="02040503050406030204" pitchFamily="18" charset="0"/>
-                        </a:rPr>
-                        <m:t>− </m:t>
-                      </m:r>
-                      <m:f>
-                        <m:fPr>
-                          <m:ctrlPr>
-                            <a:rPr lang="en-US" b="0" i="1" smtClean="0">
-                              <a:latin typeface="Cambria Math" panose="02040503050406030204" pitchFamily="18" charset="0"/>
-                            </a:rPr>
-                          </m:ctrlPr>
-                        </m:fPr>
-                        <m:num>
-                          <m:r>
-                            <a:rPr lang="en-US" b="0" i="1" smtClean="0">
-                              <a:latin typeface="Cambria Math" panose="02040503050406030204" pitchFamily="18" charset="0"/>
-                            </a:rPr>
-                            <m:t>1</m:t>
-                          </m:r>
-                        </m:num>
-                        <m:den>
-                          <m:r>
-                            <a:rPr lang="en-US" b="0" i="1" smtClean="0">
-                              <a:latin typeface="Cambria Math" panose="02040503050406030204" pitchFamily="18" charset="0"/>
-                            </a:rPr>
-                            <m:t>𝑧</m:t>
-                          </m:r>
-                        </m:den>
-                      </m:f>
-                      <m:r>
-                        <a:rPr lang="en-US" b="0" i="1" smtClean="0">
-                          <a:latin typeface="Cambria Math" panose="02040503050406030204" pitchFamily="18" charset="0"/>
-                        </a:rPr>
-                        <m:t> </m:t>
-                      </m:r>
-                      <m:r>
-                        <a:rPr lang="en-US" b="0" i="1" smtClean="0">
-                          <a:latin typeface="Cambria Math" panose="02040503050406030204" pitchFamily="18" charset="0"/>
-                        </a:rPr>
-                        <m:t>𝑇</m:t>
-                      </m:r>
                     </m:oMath>
                   </m:oMathPara>
                 </a14:m>
@@ -4226,7 +4206,7 @@
             <p:spPr>
               <a:xfrm>
                 <a:off x="2942433" y="688410"/>
-                <a:ext cx="3678236" cy="610936"/>
+                <a:ext cx="3678236" cy="634789"/>
               </a:xfrm>
               <a:prstGeom prst="rect">
                 <a:avLst/>
